--- a/8_reproduceability/Reproduceability.pptx
+++ b/8_reproduceability/Reproduceability.pptx
@@ -5,10 +5,10 @@
     <p:sldMasterId id="2147483648" r:id="rId1"/>
   </p:sldMasterIdLst>
   <p:notesMasterIdLst>
-    <p:notesMasterId r:id="rId9"/>
+    <p:notesMasterId r:id="rId10"/>
   </p:notesMasterIdLst>
   <p:handoutMasterIdLst>
-    <p:handoutMasterId r:id="rId10"/>
+    <p:handoutMasterId r:id="rId11"/>
   </p:handoutMasterIdLst>
   <p:sldIdLst>
     <p:sldId id="256" r:id="rId2"/>
@@ -18,6 +18,7 @@
     <p:sldId id="259" r:id="rId6"/>
     <p:sldId id="260" r:id="rId7"/>
     <p:sldId id="261" r:id="rId8"/>
+    <p:sldId id="263" r:id="rId9"/>
   </p:sldIdLst>
   <p:sldSz cx="12192000" cy="6858000"/>
   <p:notesSz cx="6858000" cy="9144000"/>
@@ -11982,6 +11983,217 @@
 </p:sld>
 </file>
 
+<file path=ppt/slides/slide8.xml><?xml version="1.0" encoding="utf-8"?>
+<p:sld xmlns:a="http://schemas.openxmlformats.org/drawingml/2006/main" xmlns:r="http://schemas.openxmlformats.org/officeDocument/2006/relationships" xmlns:p="http://schemas.openxmlformats.org/presentationml/2006/main">
+  <p:cSld>
+    <p:spTree>
+      <p:nvGrpSpPr>
+        <p:cNvPr id="1" name=""/>
+        <p:cNvGrpSpPr/>
+        <p:nvPr/>
+      </p:nvGrpSpPr>
+      <p:grpSpPr>
+        <a:xfrm>
+          <a:off x="0" y="0"/>
+          <a:ext cx="0" cy="0"/>
+          <a:chOff x="0" y="0"/>
+          <a:chExt cx="0" cy="0"/>
+        </a:xfrm>
+      </p:grpSpPr>
+      <p:sp>
+        <p:nvSpPr>
+          <p:cNvPr id="2" name="Title 1">
+            <a:extLst>
+              <a:ext uri="{FF2B5EF4-FFF2-40B4-BE49-F238E27FC236}">
+                <a16:creationId xmlns:a16="http://schemas.microsoft.com/office/drawing/2014/main" id="{137EA8E7-F4DC-43BD-B19F-B49BCBDC67CD}"/>
+              </a:ext>
+            </a:extLst>
+          </p:cNvPr>
+          <p:cNvSpPr>
+            <a:spLocks noGrp="1"/>
+          </p:cNvSpPr>
+          <p:nvPr>
+            <p:ph type="title"/>
+          </p:nvPr>
+        </p:nvSpPr>
+        <p:spPr/>
+        <p:txBody>
+          <a:bodyPr/>
+          <a:lstStyle/>
+          <a:p>
+            <a:r>
+              <a:rPr lang="da-DK" dirty="0"/>
+              <a:t>Other frameworks</a:t>
+            </a:r>
+          </a:p>
+        </p:txBody>
+      </p:sp>
+      <p:sp>
+        <p:nvSpPr>
+          <p:cNvPr id="3" name="Content Placeholder 2">
+            <a:extLst>
+              <a:ext uri="{FF2B5EF4-FFF2-40B4-BE49-F238E27FC236}">
+                <a16:creationId xmlns:a16="http://schemas.microsoft.com/office/drawing/2014/main" id="{F38C3EFA-AFD8-45A3-B545-3954B06F7E17}"/>
+              </a:ext>
+            </a:extLst>
+          </p:cNvPr>
+          <p:cNvSpPr>
+            <a:spLocks noGrp="1"/>
+          </p:cNvSpPr>
+          <p:nvPr>
+            <p:ph idx="1"/>
+          </p:nvPr>
+        </p:nvSpPr>
+        <p:spPr/>
+        <p:txBody>
+          <a:bodyPr/>
+          <a:lstStyle/>
+          <a:p>
+            <a:endParaRPr lang="da-DK" dirty="0">
+              <a:hlinkClick r:id="rId2"/>
+            </a:endParaRPr>
+          </a:p>
+          <a:p>
+            <a:r>
+              <a:rPr lang="da-DK" dirty="0">
+                <a:hlinkClick r:id="rId2"/>
+              </a:rPr>
+              <a:t>https://github.com/IDSIA/sacred</a:t>
+            </a:r>
+            <a:endParaRPr lang="da-DK" dirty="0"/>
+          </a:p>
+          <a:p>
+            <a:endParaRPr lang="da-DK" dirty="0">
+              <a:hlinkClick r:id="rId3"/>
+            </a:endParaRPr>
+          </a:p>
+          <a:p>
+            <a:r>
+              <a:rPr lang="da-DK" dirty="0">
+                <a:hlinkClick r:id="rId3"/>
+              </a:rPr>
+              <a:t>https://mlflow.org/</a:t>
+            </a:r>
+            <a:endParaRPr lang="da-DK" dirty="0"/>
+          </a:p>
+          <a:p>
+            <a:endParaRPr lang="da-DK" dirty="0">
+              <a:hlinkClick r:id="rId4"/>
+            </a:endParaRPr>
+          </a:p>
+          <a:p>
+            <a:r>
+              <a:rPr lang="da-DK" dirty="0">
+                <a:hlinkClick r:id="rId4"/>
+              </a:rPr>
+              <a:t>https://wandb.ai/site</a:t>
+            </a:r>
+            <a:endParaRPr lang="da-DK" dirty="0"/>
+          </a:p>
+          <a:p>
+            <a:endParaRPr lang="da-DK" dirty="0"/>
+          </a:p>
+        </p:txBody>
+      </p:sp>
+      <p:sp>
+        <p:nvSpPr>
+          <p:cNvPr id="4" name="Date Placeholder 3">
+            <a:extLst>
+              <a:ext uri="{FF2B5EF4-FFF2-40B4-BE49-F238E27FC236}">
+                <a16:creationId xmlns:a16="http://schemas.microsoft.com/office/drawing/2014/main" id="{E8518486-FFDB-4867-9F76-326C9BA339A4}"/>
+              </a:ext>
+            </a:extLst>
+          </p:cNvPr>
+          <p:cNvSpPr>
+            <a:spLocks noGrp="1"/>
+          </p:cNvSpPr>
+          <p:nvPr>
+            <p:ph type="dt" sz="half" idx="10"/>
+          </p:nvPr>
+        </p:nvSpPr>
+        <p:spPr/>
+        <p:txBody>
+          <a:bodyPr/>
+          <a:lstStyle/>
+          <a:p>
+            <a:fld id="{019E29B9-5584-4737-9C98-1B926378C778}" type="datetime1">
+              <a:rPr lang="en-US" smtClean="0"/>
+              <a:t>5/5/2021</a:t>
+            </a:fld>
+            <a:endParaRPr lang="da-DK"/>
+          </a:p>
+        </p:txBody>
+      </p:sp>
+      <p:sp>
+        <p:nvSpPr>
+          <p:cNvPr id="5" name="Footer Placeholder 4">
+            <a:extLst>
+              <a:ext uri="{FF2B5EF4-FFF2-40B4-BE49-F238E27FC236}">
+                <a16:creationId xmlns:a16="http://schemas.microsoft.com/office/drawing/2014/main" id="{7120C5F5-650D-4B22-9BC6-1B33E4EE3ACC}"/>
+              </a:ext>
+            </a:extLst>
+          </p:cNvPr>
+          <p:cNvSpPr>
+            <a:spLocks noGrp="1"/>
+          </p:cNvSpPr>
+          <p:nvPr>
+            <p:ph type="ftr" sz="quarter" idx="11"/>
+          </p:nvPr>
+        </p:nvSpPr>
+        <p:spPr/>
+        <p:txBody>
+          <a:bodyPr/>
+          <a:lstStyle/>
+          <a:p>
+            <a:r>
+              <a:rPr lang="da-DK"/>
+              <a:t>Nicki Skafte Detlefsen</a:t>
+            </a:r>
+          </a:p>
+        </p:txBody>
+      </p:sp>
+      <p:sp>
+        <p:nvSpPr>
+          <p:cNvPr id="6" name="Slide Number Placeholder 5">
+            <a:extLst>
+              <a:ext uri="{FF2B5EF4-FFF2-40B4-BE49-F238E27FC236}">
+                <a16:creationId xmlns:a16="http://schemas.microsoft.com/office/drawing/2014/main" id="{C7D46A3B-6ABF-4194-9779-703BF6E77D6E}"/>
+              </a:ext>
+            </a:extLst>
+          </p:cNvPr>
+          <p:cNvSpPr>
+            <a:spLocks noGrp="1"/>
+          </p:cNvSpPr>
+          <p:nvPr>
+            <p:ph type="sldNum" sz="quarter" idx="12"/>
+          </p:nvPr>
+        </p:nvSpPr>
+        <p:spPr/>
+        <p:txBody>
+          <a:bodyPr/>
+          <a:lstStyle/>
+          <a:p>
+            <a:fld id="{F6FEDE24-D50C-481B-A7B4-8AF13899101A}" type="slidenum">
+              <a:rPr lang="da-DK" smtClean="0"/>
+              <a:t>8</a:t>
+            </a:fld>
+            <a:endParaRPr lang="da-DK"/>
+          </a:p>
+        </p:txBody>
+      </p:sp>
+    </p:spTree>
+    <p:extLst>
+      <p:ext uri="{BB962C8B-B14F-4D97-AF65-F5344CB8AC3E}">
+        <p14:creationId xmlns:p14="http://schemas.microsoft.com/office/powerpoint/2010/main" val="4228679766"/>
+      </p:ext>
+    </p:extLst>
+  </p:cSld>
+  <p:clrMapOvr>
+    <a:masterClrMapping/>
+  </p:clrMapOvr>
+</p:sld>
+</file>
+
 <file path=ppt/theme/theme1.xml><?xml version="1.0" encoding="utf-8"?>
 <a:theme xmlns:a="http://schemas.openxmlformats.org/drawingml/2006/main" name="Office Theme">
   <a:themeElements>
